--- a/ppt 16-9/0934.兴起为主.pptx
+++ b/ppt 16-9/0934.兴起为主.pptx
@@ -129,7 +129,7 @@
           <p:cNvPr id="2" name="标题 1">
             <a:extLst>
               <a:ext uri="{FF2B5EF4-FFF2-40B4-BE49-F238E27FC236}">
-                <a16:creationId xmlns:a16="http://schemas.microsoft.com/office/drawing/2014/main" id="{E670CC3A-854F-E783-4D73-60A0ABEC36A2}"/>
+                <a16:creationId xmlns:a16="http://schemas.microsoft.com/office/drawing/2014/main" id="{4A6AAC4B-5284-BFD8-FE3C-CCACAF749B35}"/>
               </a:ext>
             </a:extLst>
           </p:cNvPr>
@@ -166,7 +166,7 @@
           <p:cNvPr id="3" name="副标题 2">
             <a:extLst>
               <a:ext uri="{FF2B5EF4-FFF2-40B4-BE49-F238E27FC236}">
-                <a16:creationId xmlns:a16="http://schemas.microsoft.com/office/drawing/2014/main" id="{39F23600-D31D-CC58-2D7B-4BF777DED16F}"/>
+                <a16:creationId xmlns:a16="http://schemas.microsoft.com/office/drawing/2014/main" id="{61373280-B57B-4B3C-292E-C7135C406C71}"/>
               </a:ext>
             </a:extLst>
           </p:cNvPr>
@@ -236,7 +236,7 @@
           <p:cNvPr id="4" name="日期占位符 3">
             <a:extLst>
               <a:ext uri="{FF2B5EF4-FFF2-40B4-BE49-F238E27FC236}">
-                <a16:creationId xmlns:a16="http://schemas.microsoft.com/office/drawing/2014/main" id="{1FB873A5-6C4C-05C7-30D4-AD457D3730F4}"/>
+                <a16:creationId xmlns:a16="http://schemas.microsoft.com/office/drawing/2014/main" id="{EAB6E6C1-D0A4-B121-6FA5-008FA73B982F}"/>
               </a:ext>
             </a:extLst>
           </p:cNvPr>
@@ -252,7 +252,7 @@
           <a:bodyPr/>
           <a:lstStyle/>
           <a:p>
-            <a:fld id="{88A49D1D-89B8-4829-8409-A2B021A60474}" type="datetimeFigureOut">
+            <a:fld id="{B1F3FC10-25E4-4A3B-BDCE-8F2BBA95E96A}" type="datetimeFigureOut">
               <a:rPr lang="zh-CN" altLang="en-US" smtClean="0"/>
               <a:t>2024/3/10</a:t>
             </a:fld>
@@ -265,7 +265,7 @@
           <p:cNvPr id="5" name="页脚占位符 4">
             <a:extLst>
               <a:ext uri="{FF2B5EF4-FFF2-40B4-BE49-F238E27FC236}">
-                <a16:creationId xmlns:a16="http://schemas.microsoft.com/office/drawing/2014/main" id="{F7D8944B-FF61-EC30-7293-97B2D1CA98C4}"/>
+                <a16:creationId xmlns:a16="http://schemas.microsoft.com/office/drawing/2014/main" id="{86E3CDA8-2C0D-8346-B163-6EF2E14E0B5E}"/>
               </a:ext>
             </a:extLst>
           </p:cNvPr>
@@ -290,7 +290,7 @@
           <p:cNvPr id="6" name="灯片编号占位符 5">
             <a:extLst>
               <a:ext uri="{FF2B5EF4-FFF2-40B4-BE49-F238E27FC236}">
-                <a16:creationId xmlns:a16="http://schemas.microsoft.com/office/drawing/2014/main" id="{4EAB3B8F-E987-6779-D305-365EE6D117FA}"/>
+                <a16:creationId xmlns:a16="http://schemas.microsoft.com/office/drawing/2014/main" id="{1FAB9BFB-CD58-2103-3FB2-99CFF05483AC}"/>
               </a:ext>
             </a:extLst>
           </p:cNvPr>
@@ -306,7 +306,7 @@
           <a:bodyPr/>
           <a:lstStyle/>
           <a:p>
-            <a:fld id="{875F4D1E-993A-44A9-892E-3F149F54AFBB}" type="slidenum">
+            <a:fld id="{85CF7D4A-AE81-4228-9C41-F434AB3E8B25}" type="slidenum">
               <a:rPr lang="zh-CN" altLang="en-US" smtClean="0"/>
               <a:t>‹#›</a:t>
             </a:fld>
@@ -317,7 +317,7 @@
     </p:spTree>
     <p:extLst>
       <p:ext uri="{BB962C8B-B14F-4D97-AF65-F5344CB8AC3E}">
-        <p14:creationId xmlns:p14="http://schemas.microsoft.com/office/powerpoint/2010/main" val="3382063171"/>
+        <p14:creationId xmlns:p14="http://schemas.microsoft.com/office/powerpoint/2010/main" val="3342594490"/>
       </p:ext>
     </p:extLst>
   </p:cSld>
@@ -349,7 +349,7 @@
           <p:cNvPr id="2" name="标题 1">
             <a:extLst>
               <a:ext uri="{FF2B5EF4-FFF2-40B4-BE49-F238E27FC236}">
-                <a16:creationId xmlns:a16="http://schemas.microsoft.com/office/drawing/2014/main" id="{22D2A439-3034-5D96-2403-D6ABA1288416}"/>
+                <a16:creationId xmlns:a16="http://schemas.microsoft.com/office/drawing/2014/main" id="{409CA770-D1B9-16CD-56EA-5AB05B54EB48}"/>
               </a:ext>
             </a:extLst>
           </p:cNvPr>
@@ -377,7 +377,7 @@
           <p:cNvPr id="3" name="竖排文字占位符 2">
             <a:extLst>
               <a:ext uri="{FF2B5EF4-FFF2-40B4-BE49-F238E27FC236}">
-                <a16:creationId xmlns:a16="http://schemas.microsoft.com/office/drawing/2014/main" id="{B1E0D376-C4FA-857B-4554-0102EEA70CD1}"/>
+                <a16:creationId xmlns:a16="http://schemas.microsoft.com/office/drawing/2014/main" id="{B03C1093-FE48-856F-7B2B-E0172A619DCE}"/>
               </a:ext>
             </a:extLst>
           </p:cNvPr>
@@ -434,7 +434,7 @@
           <p:cNvPr id="4" name="日期占位符 3">
             <a:extLst>
               <a:ext uri="{FF2B5EF4-FFF2-40B4-BE49-F238E27FC236}">
-                <a16:creationId xmlns:a16="http://schemas.microsoft.com/office/drawing/2014/main" id="{E1457B87-4941-20F7-84D7-829E525BB377}"/>
+                <a16:creationId xmlns:a16="http://schemas.microsoft.com/office/drawing/2014/main" id="{CA9C9AE2-7945-E673-0E94-4FC3725DA1CD}"/>
               </a:ext>
             </a:extLst>
           </p:cNvPr>
@@ -450,7 +450,7 @@
           <a:bodyPr/>
           <a:lstStyle/>
           <a:p>
-            <a:fld id="{88A49D1D-89B8-4829-8409-A2B021A60474}" type="datetimeFigureOut">
+            <a:fld id="{B1F3FC10-25E4-4A3B-BDCE-8F2BBA95E96A}" type="datetimeFigureOut">
               <a:rPr lang="zh-CN" altLang="en-US" smtClean="0"/>
               <a:t>2024/3/10</a:t>
             </a:fld>
@@ -463,7 +463,7 @@
           <p:cNvPr id="5" name="页脚占位符 4">
             <a:extLst>
               <a:ext uri="{FF2B5EF4-FFF2-40B4-BE49-F238E27FC236}">
-                <a16:creationId xmlns:a16="http://schemas.microsoft.com/office/drawing/2014/main" id="{E8701F53-AFA1-ACEA-BF5B-AFAE8FB2ED6E}"/>
+                <a16:creationId xmlns:a16="http://schemas.microsoft.com/office/drawing/2014/main" id="{73AAC7AF-431C-A888-A47A-AC4998185873}"/>
               </a:ext>
             </a:extLst>
           </p:cNvPr>
@@ -488,7 +488,7 @@
           <p:cNvPr id="6" name="灯片编号占位符 5">
             <a:extLst>
               <a:ext uri="{FF2B5EF4-FFF2-40B4-BE49-F238E27FC236}">
-                <a16:creationId xmlns:a16="http://schemas.microsoft.com/office/drawing/2014/main" id="{D17CC9BC-EBB2-73A3-2E03-2CB6A2121FB1}"/>
+                <a16:creationId xmlns:a16="http://schemas.microsoft.com/office/drawing/2014/main" id="{A37ABCD7-323A-B009-4782-AD5215DBB8AE}"/>
               </a:ext>
             </a:extLst>
           </p:cNvPr>
@@ -504,7 +504,7 @@
           <a:bodyPr/>
           <a:lstStyle/>
           <a:p>
-            <a:fld id="{875F4D1E-993A-44A9-892E-3F149F54AFBB}" type="slidenum">
+            <a:fld id="{85CF7D4A-AE81-4228-9C41-F434AB3E8B25}" type="slidenum">
               <a:rPr lang="zh-CN" altLang="en-US" smtClean="0"/>
               <a:t>‹#›</a:t>
             </a:fld>
@@ -515,7 +515,7 @@
     </p:spTree>
     <p:extLst>
       <p:ext uri="{BB962C8B-B14F-4D97-AF65-F5344CB8AC3E}">
-        <p14:creationId xmlns:p14="http://schemas.microsoft.com/office/powerpoint/2010/main" val="3544341697"/>
+        <p14:creationId xmlns:p14="http://schemas.microsoft.com/office/powerpoint/2010/main" val="3632137705"/>
       </p:ext>
     </p:extLst>
   </p:cSld>
@@ -547,7 +547,7 @@
           <p:cNvPr id="2" name="竖排标题 1">
             <a:extLst>
               <a:ext uri="{FF2B5EF4-FFF2-40B4-BE49-F238E27FC236}">
-                <a16:creationId xmlns:a16="http://schemas.microsoft.com/office/drawing/2014/main" id="{9AE0573C-595E-C0C5-E074-F6BD2586C276}"/>
+                <a16:creationId xmlns:a16="http://schemas.microsoft.com/office/drawing/2014/main" id="{D5B0A904-E8E7-638D-B3F1-B7D423532284}"/>
               </a:ext>
             </a:extLst>
           </p:cNvPr>
@@ -580,7 +580,7 @@
           <p:cNvPr id="3" name="竖排文字占位符 2">
             <a:extLst>
               <a:ext uri="{FF2B5EF4-FFF2-40B4-BE49-F238E27FC236}">
-                <a16:creationId xmlns:a16="http://schemas.microsoft.com/office/drawing/2014/main" id="{3E522118-F6A6-019E-C7C7-C4EFA6A5DDE1}"/>
+                <a16:creationId xmlns:a16="http://schemas.microsoft.com/office/drawing/2014/main" id="{442CC5D9-9C61-A66C-B4B5-1008069E8E66}"/>
               </a:ext>
             </a:extLst>
           </p:cNvPr>
@@ -642,7 +642,7 @@
           <p:cNvPr id="4" name="日期占位符 3">
             <a:extLst>
               <a:ext uri="{FF2B5EF4-FFF2-40B4-BE49-F238E27FC236}">
-                <a16:creationId xmlns:a16="http://schemas.microsoft.com/office/drawing/2014/main" id="{FF7CE71A-0D00-4930-4301-4D4EA155E7D2}"/>
+                <a16:creationId xmlns:a16="http://schemas.microsoft.com/office/drawing/2014/main" id="{F5C7D964-B972-CF8C-B924-846CD4A407DF}"/>
               </a:ext>
             </a:extLst>
           </p:cNvPr>
@@ -658,7 +658,7 @@
           <a:bodyPr/>
           <a:lstStyle/>
           <a:p>
-            <a:fld id="{88A49D1D-89B8-4829-8409-A2B021A60474}" type="datetimeFigureOut">
+            <a:fld id="{B1F3FC10-25E4-4A3B-BDCE-8F2BBA95E96A}" type="datetimeFigureOut">
               <a:rPr lang="zh-CN" altLang="en-US" smtClean="0"/>
               <a:t>2024/3/10</a:t>
             </a:fld>
@@ -671,7 +671,7 @@
           <p:cNvPr id="5" name="页脚占位符 4">
             <a:extLst>
               <a:ext uri="{FF2B5EF4-FFF2-40B4-BE49-F238E27FC236}">
-                <a16:creationId xmlns:a16="http://schemas.microsoft.com/office/drawing/2014/main" id="{952180BE-F152-9366-5984-91050B0451A3}"/>
+                <a16:creationId xmlns:a16="http://schemas.microsoft.com/office/drawing/2014/main" id="{7ABCEDB8-F811-445A-C7A7-EA5AD5B75C9B}"/>
               </a:ext>
             </a:extLst>
           </p:cNvPr>
@@ -696,7 +696,7 @@
           <p:cNvPr id="6" name="灯片编号占位符 5">
             <a:extLst>
               <a:ext uri="{FF2B5EF4-FFF2-40B4-BE49-F238E27FC236}">
-                <a16:creationId xmlns:a16="http://schemas.microsoft.com/office/drawing/2014/main" id="{18E6ACF4-7795-7F37-2A05-27C9CB92135D}"/>
+                <a16:creationId xmlns:a16="http://schemas.microsoft.com/office/drawing/2014/main" id="{A1DD28EA-286E-DDFE-DB1D-F3C7E5851012}"/>
               </a:ext>
             </a:extLst>
           </p:cNvPr>
@@ -712,7 +712,7 @@
           <a:bodyPr/>
           <a:lstStyle/>
           <a:p>
-            <a:fld id="{875F4D1E-993A-44A9-892E-3F149F54AFBB}" type="slidenum">
+            <a:fld id="{85CF7D4A-AE81-4228-9C41-F434AB3E8B25}" type="slidenum">
               <a:rPr lang="zh-CN" altLang="en-US" smtClean="0"/>
               <a:t>‹#›</a:t>
             </a:fld>
@@ -723,7 +723,7 @@
     </p:spTree>
     <p:extLst>
       <p:ext uri="{BB962C8B-B14F-4D97-AF65-F5344CB8AC3E}">
-        <p14:creationId xmlns:p14="http://schemas.microsoft.com/office/powerpoint/2010/main" val="2878638545"/>
+        <p14:creationId xmlns:p14="http://schemas.microsoft.com/office/powerpoint/2010/main" val="2492967005"/>
       </p:ext>
     </p:extLst>
   </p:cSld>
@@ -755,7 +755,7 @@
           <p:cNvPr id="2" name="标题 1">
             <a:extLst>
               <a:ext uri="{FF2B5EF4-FFF2-40B4-BE49-F238E27FC236}">
-                <a16:creationId xmlns:a16="http://schemas.microsoft.com/office/drawing/2014/main" id="{C86F9421-C78B-6D5F-D643-6DFDA70E50A1}"/>
+                <a16:creationId xmlns:a16="http://schemas.microsoft.com/office/drawing/2014/main" id="{4B4A4C5F-DB97-F74A-049C-6DC0B9AFF6A7}"/>
               </a:ext>
             </a:extLst>
           </p:cNvPr>
@@ -783,7 +783,7 @@
           <p:cNvPr id="3" name="内容占位符 2">
             <a:extLst>
               <a:ext uri="{FF2B5EF4-FFF2-40B4-BE49-F238E27FC236}">
-                <a16:creationId xmlns:a16="http://schemas.microsoft.com/office/drawing/2014/main" id="{6BE3D131-B097-C151-83E6-D92A5135C5CB}"/>
+                <a16:creationId xmlns:a16="http://schemas.microsoft.com/office/drawing/2014/main" id="{0808A386-89AF-884A-F42E-7403427F2045}"/>
               </a:ext>
             </a:extLst>
           </p:cNvPr>
@@ -840,7 +840,7 @@
           <p:cNvPr id="4" name="日期占位符 3">
             <a:extLst>
               <a:ext uri="{FF2B5EF4-FFF2-40B4-BE49-F238E27FC236}">
-                <a16:creationId xmlns:a16="http://schemas.microsoft.com/office/drawing/2014/main" id="{AB986F7E-697D-A995-E46A-60B040757C2E}"/>
+                <a16:creationId xmlns:a16="http://schemas.microsoft.com/office/drawing/2014/main" id="{A271517B-F9E5-4408-4FD5-0CB870C3B016}"/>
               </a:ext>
             </a:extLst>
           </p:cNvPr>
@@ -856,7 +856,7 @@
           <a:bodyPr/>
           <a:lstStyle/>
           <a:p>
-            <a:fld id="{88A49D1D-89B8-4829-8409-A2B021A60474}" type="datetimeFigureOut">
+            <a:fld id="{B1F3FC10-25E4-4A3B-BDCE-8F2BBA95E96A}" type="datetimeFigureOut">
               <a:rPr lang="zh-CN" altLang="en-US" smtClean="0"/>
               <a:t>2024/3/10</a:t>
             </a:fld>
@@ -869,7 +869,7 @@
           <p:cNvPr id="5" name="页脚占位符 4">
             <a:extLst>
               <a:ext uri="{FF2B5EF4-FFF2-40B4-BE49-F238E27FC236}">
-                <a16:creationId xmlns:a16="http://schemas.microsoft.com/office/drawing/2014/main" id="{EEC9B133-CCB1-5EDE-30C3-4016E0545622}"/>
+                <a16:creationId xmlns:a16="http://schemas.microsoft.com/office/drawing/2014/main" id="{A029D4B2-FFF2-EE71-6199-2A4A204CF053}"/>
               </a:ext>
             </a:extLst>
           </p:cNvPr>
@@ -894,7 +894,7 @@
           <p:cNvPr id="6" name="灯片编号占位符 5">
             <a:extLst>
               <a:ext uri="{FF2B5EF4-FFF2-40B4-BE49-F238E27FC236}">
-                <a16:creationId xmlns:a16="http://schemas.microsoft.com/office/drawing/2014/main" id="{EC087DD7-D62B-5CBE-B8F9-E0DACADCD071}"/>
+                <a16:creationId xmlns:a16="http://schemas.microsoft.com/office/drawing/2014/main" id="{AA605647-47C3-79A6-C631-0FDA6EA1FA68}"/>
               </a:ext>
             </a:extLst>
           </p:cNvPr>
@@ -910,7 +910,7 @@
           <a:bodyPr/>
           <a:lstStyle/>
           <a:p>
-            <a:fld id="{875F4D1E-993A-44A9-892E-3F149F54AFBB}" type="slidenum">
+            <a:fld id="{85CF7D4A-AE81-4228-9C41-F434AB3E8B25}" type="slidenum">
               <a:rPr lang="zh-CN" altLang="en-US" smtClean="0"/>
               <a:t>‹#›</a:t>
             </a:fld>
@@ -921,7 +921,7 @@
     </p:spTree>
     <p:extLst>
       <p:ext uri="{BB962C8B-B14F-4D97-AF65-F5344CB8AC3E}">
-        <p14:creationId xmlns:p14="http://schemas.microsoft.com/office/powerpoint/2010/main" val="3713642217"/>
+        <p14:creationId xmlns:p14="http://schemas.microsoft.com/office/powerpoint/2010/main" val="556598307"/>
       </p:ext>
     </p:extLst>
   </p:cSld>
@@ -953,7 +953,7 @@
           <p:cNvPr id="2" name="标题 1">
             <a:extLst>
               <a:ext uri="{FF2B5EF4-FFF2-40B4-BE49-F238E27FC236}">
-                <a16:creationId xmlns:a16="http://schemas.microsoft.com/office/drawing/2014/main" id="{98D44987-4512-DD27-35DC-5D25E2371ED9}"/>
+                <a16:creationId xmlns:a16="http://schemas.microsoft.com/office/drawing/2014/main" id="{9DB04962-65D8-5F13-1B90-ABEAE5D5DD08}"/>
               </a:ext>
             </a:extLst>
           </p:cNvPr>
@@ -990,7 +990,7 @@
           <p:cNvPr id="3" name="文本占位符 2">
             <a:extLst>
               <a:ext uri="{FF2B5EF4-FFF2-40B4-BE49-F238E27FC236}">
-                <a16:creationId xmlns:a16="http://schemas.microsoft.com/office/drawing/2014/main" id="{625146A5-9BAF-A7F0-541C-AD9C56450A2F}"/>
+                <a16:creationId xmlns:a16="http://schemas.microsoft.com/office/drawing/2014/main" id="{BFD8327E-423A-9A91-E19A-1FC1AD0C65D8}"/>
               </a:ext>
             </a:extLst>
           </p:cNvPr>
@@ -1115,7 +1115,7 @@
           <p:cNvPr id="4" name="日期占位符 3">
             <a:extLst>
               <a:ext uri="{FF2B5EF4-FFF2-40B4-BE49-F238E27FC236}">
-                <a16:creationId xmlns:a16="http://schemas.microsoft.com/office/drawing/2014/main" id="{CBA81F32-9BD3-BD70-6FF7-8635E8956C83}"/>
+                <a16:creationId xmlns:a16="http://schemas.microsoft.com/office/drawing/2014/main" id="{A0E22A6B-C7CC-6807-E2C8-68A248F8699F}"/>
               </a:ext>
             </a:extLst>
           </p:cNvPr>
@@ -1131,7 +1131,7 @@
           <a:bodyPr/>
           <a:lstStyle/>
           <a:p>
-            <a:fld id="{88A49D1D-89B8-4829-8409-A2B021A60474}" type="datetimeFigureOut">
+            <a:fld id="{B1F3FC10-25E4-4A3B-BDCE-8F2BBA95E96A}" type="datetimeFigureOut">
               <a:rPr lang="zh-CN" altLang="en-US" smtClean="0"/>
               <a:t>2024/3/10</a:t>
             </a:fld>
@@ -1144,7 +1144,7 @@
           <p:cNvPr id="5" name="页脚占位符 4">
             <a:extLst>
               <a:ext uri="{FF2B5EF4-FFF2-40B4-BE49-F238E27FC236}">
-                <a16:creationId xmlns:a16="http://schemas.microsoft.com/office/drawing/2014/main" id="{3FB4C833-A4E9-FC74-AAC0-841CB9A97712}"/>
+                <a16:creationId xmlns:a16="http://schemas.microsoft.com/office/drawing/2014/main" id="{EF2DB628-0FE1-CC66-A8F4-BC20A48CC803}"/>
               </a:ext>
             </a:extLst>
           </p:cNvPr>
@@ -1169,7 +1169,7 @@
           <p:cNvPr id="6" name="灯片编号占位符 5">
             <a:extLst>
               <a:ext uri="{FF2B5EF4-FFF2-40B4-BE49-F238E27FC236}">
-                <a16:creationId xmlns:a16="http://schemas.microsoft.com/office/drawing/2014/main" id="{273FC5C9-1598-9376-470D-832BBE1442C6}"/>
+                <a16:creationId xmlns:a16="http://schemas.microsoft.com/office/drawing/2014/main" id="{61592268-384E-102E-23EF-4FB3DFAE2929}"/>
               </a:ext>
             </a:extLst>
           </p:cNvPr>
@@ -1185,7 +1185,7 @@
           <a:bodyPr/>
           <a:lstStyle/>
           <a:p>
-            <a:fld id="{875F4D1E-993A-44A9-892E-3F149F54AFBB}" type="slidenum">
+            <a:fld id="{85CF7D4A-AE81-4228-9C41-F434AB3E8B25}" type="slidenum">
               <a:rPr lang="zh-CN" altLang="en-US" smtClean="0"/>
               <a:t>‹#›</a:t>
             </a:fld>
@@ -1196,7 +1196,7 @@
     </p:spTree>
     <p:extLst>
       <p:ext uri="{BB962C8B-B14F-4D97-AF65-F5344CB8AC3E}">
-        <p14:creationId xmlns:p14="http://schemas.microsoft.com/office/powerpoint/2010/main" val="1347824914"/>
+        <p14:creationId xmlns:p14="http://schemas.microsoft.com/office/powerpoint/2010/main" val="3462673776"/>
       </p:ext>
     </p:extLst>
   </p:cSld>
@@ -1228,7 +1228,7 @@
           <p:cNvPr id="2" name="标题 1">
             <a:extLst>
               <a:ext uri="{FF2B5EF4-FFF2-40B4-BE49-F238E27FC236}">
-                <a16:creationId xmlns:a16="http://schemas.microsoft.com/office/drawing/2014/main" id="{7BC13339-F12F-CFA9-1D39-4BC17B25D94E}"/>
+                <a16:creationId xmlns:a16="http://schemas.microsoft.com/office/drawing/2014/main" id="{B3174F12-8B54-B5B3-F2BC-7C36F39BFC09}"/>
               </a:ext>
             </a:extLst>
           </p:cNvPr>
@@ -1256,7 +1256,7 @@
           <p:cNvPr id="3" name="内容占位符 2">
             <a:extLst>
               <a:ext uri="{FF2B5EF4-FFF2-40B4-BE49-F238E27FC236}">
-                <a16:creationId xmlns:a16="http://schemas.microsoft.com/office/drawing/2014/main" id="{8D7B402D-0089-F8E2-8A42-9500D8C3729F}"/>
+                <a16:creationId xmlns:a16="http://schemas.microsoft.com/office/drawing/2014/main" id="{5E1712E1-1E85-13FF-24B0-37351F7446BD}"/>
               </a:ext>
             </a:extLst>
           </p:cNvPr>
@@ -1318,7 +1318,7 @@
           <p:cNvPr id="4" name="内容占位符 3">
             <a:extLst>
               <a:ext uri="{FF2B5EF4-FFF2-40B4-BE49-F238E27FC236}">
-                <a16:creationId xmlns:a16="http://schemas.microsoft.com/office/drawing/2014/main" id="{B713F2CF-54B4-556A-48DB-A2869930B2F0}"/>
+                <a16:creationId xmlns:a16="http://schemas.microsoft.com/office/drawing/2014/main" id="{18410833-8C70-75B5-9DD3-8D468E8F9678}"/>
               </a:ext>
             </a:extLst>
           </p:cNvPr>
@@ -1380,7 +1380,7 @@
           <p:cNvPr id="5" name="日期占位符 4">
             <a:extLst>
               <a:ext uri="{FF2B5EF4-FFF2-40B4-BE49-F238E27FC236}">
-                <a16:creationId xmlns:a16="http://schemas.microsoft.com/office/drawing/2014/main" id="{906E24BA-80D5-DA6F-2198-FA21BE5DD3E1}"/>
+                <a16:creationId xmlns:a16="http://schemas.microsoft.com/office/drawing/2014/main" id="{03EA8951-E8D5-9F08-0BAB-ED8EE9EBC471}"/>
               </a:ext>
             </a:extLst>
           </p:cNvPr>
@@ -1396,7 +1396,7 @@
           <a:bodyPr/>
           <a:lstStyle/>
           <a:p>
-            <a:fld id="{88A49D1D-89B8-4829-8409-A2B021A60474}" type="datetimeFigureOut">
+            <a:fld id="{B1F3FC10-25E4-4A3B-BDCE-8F2BBA95E96A}" type="datetimeFigureOut">
               <a:rPr lang="zh-CN" altLang="en-US" smtClean="0"/>
               <a:t>2024/3/10</a:t>
             </a:fld>
@@ -1409,7 +1409,7 @@
           <p:cNvPr id="6" name="页脚占位符 5">
             <a:extLst>
               <a:ext uri="{FF2B5EF4-FFF2-40B4-BE49-F238E27FC236}">
-                <a16:creationId xmlns:a16="http://schemas.microsoft.com/office/drawing/2014/main" id="{F427CF10-FB11-B47C-41B4-C6696A42650F}"/>
+                <a16:creationId xmlns:a16="http://schemas.microsoft.com/office/drawing/2014/main" id="{64BCA1AE-0D26-4E47-57C3-AE9FD6A5D761}"/>
               </a:ext>
             </a:extLst>
           </p:cNvPr>
@@ -1434,7 +1434,7 @@
           <p:cNvPr id="7" name="灯片编号占位符 6">
             <a:extLst>
               <a:ext uri="{FF2B5EF4-FFF2-40B4-BE49-F238E27FC236}">
-                <a16:creationId xmlns:a16="http://schemas.microsoft.com/office/drawing/2014/main" id="{F7F37E4E-59FC-1097-0F74-6AD22D39DF50}"/>
+                <a16:creationId xmlns:a16="http://schemas.microsoft.com/office/drawing/2014/main" id="{F05F042D-A531-2A6F-5F08-B6F862C97D0D}"/>
               </a:ext>
             </a:extLst>
           </p:cNvPr>
@@ -1450,7 +1450,7 @@
           <a:bodyPr/>
           <a:lstStyle/>
           <a:p>
-            <a:fld id="{875F4D1E-993A-44A9-892E-3F149F54AFBB}" type="slidenum">
+            <a:fld id="{85CF7D4A-AE81-4228-9C41-F434AB3E8B25}" type="slidenum">
               <a:rPr lang="zh-CN" altLang="en-US" smtClean="0"/>
               <a:t>‹#›</a:t>
             </a:fld>
@@ -1461,7 +1461,7 @@
     </p:spTree>
     <p:extLst>
       <p:ext uri="{BB962C8B-B14F-4D97-AF65-F5344CB8AC3E}">
-        <p14:creationId xmlns:p14="http://schemas.microsoft.com/office/powerpoint/2010/main" val="2414153494"/>
+        <p14:creationId xmlns:p14="http://schemas.microsoft.com/office/powerpoint/2010/main" val="2016006226"/>
       </p:ext>
     </p:extLst>
   </p:cSld>
@@ -1493,7 +1493,7 @@
           <p:cNvPr id="2" name="标题 1">
             <a:extLst>
               <a:ext uri="{FF2B5EF4-FFF2-40B4-BE49-F238E27FC236}">
-                <a16:creationId xmlns:a16="http://schemas.microsoft.com/office/drawing/2014/main" id="{069E27FF-CB67-9F00-7D2B-166E44FB4BD6}"/>
+                <a16:creationId xmlns:a16="http://schemas.microsoft.com/office/drawing/2014/main" id="{E5F0FC34-97F4-D6C4-2D87-07A684A034FE}"/>
               </a:ext>
             </a:extLst>
           </p:cNvPr>
@@ -1526,7 +1526,7 @@
           <p:cNvPr id="3" name="文本占位符 2">
             <a:extLst>
               <a:ext uri="{FF2B5EF4-FFF2-40B4-BE49-F238E27FC236}">
-                <a16:creationId xmlns:a16="http://schemas.microsoft.com/office/drawing/2014/main" id="{8680CF12-5C1D-A502-0258-7F41553DBFA0}"/>
+                <a16:creationId xmlns:a16="http://schemas.microsoft.com/office/drawing/2014/main" id="{5EB42173-6AA6-DBF7-695D-BCFA31C75536}"/>
               </a:ext>
             </a:extLst>
           </p:cNvPr>
@@ -1597,7 +1597,7 @@
           <p:cNvPr id="4" name="内容占位符 3">
             <a:extLst>
               <a:ext uri="{FF2B5EF4-FFF2-40B4-BE49-F238E27FC236}">
-                <a16:creationId xmlns:a16="http://schemas.microsoft.com/office/drawing/2014/main" id="{37B9E0ED-1FC2-C790-BC3B-028304DC3FFD}"/>
+                <a16:creationId xmlns:a16="http://schemas.microsoft.com/office/drawing/2014/main" id="{93E98A7E-8795-790A-3A83-94096400AE31}"/>
               </a:ext>
             </a:extLst>
           </p:cNvPr>
@@ -1659,7 +1659,7 @@
           <p:cNvPr id="5" name="文本占位符 4">
             <a:extLst>
               <a:ext uri="{FF2B5EF4-FFF2-40B4-BE49-F238E27FC236}">
-                <a16:creationId xmlns:a16="http://schemas.microsoft.com/office/drawing/2014/main" id="{1CE44AA9-2314-AD5D-5363-0588E1958616}"/>
+                <a16:creationId xmlns:a16="http://schemas.microsoft.com/office/drawing/2014/main" id="{38AB92B5-894B-1643-2AF7-6C2DD68E941A}"/>
               </a:ext>
             </a:extLst>
           </p:cNvPr>
@@ -1730,7 +1730,7 @@
           <p:cNvPr id="6" name="内容占位符 5">
             <a:extLst>
               <a:ext uri="{FF2B5EF4-FFF2-40B4-BE49-F238E27FC236}">
-                <a16:creationId xmlns:a16="http://schemas.microsoft.com/office/drawing/2014/main" id="{A89297CC-6077-B5D7-882D-AAE1455C5994}"/>
+                <a16:creationId xmlns:a16="http://schemas.microsoft.com/office/drawing/2014/main" id="{6FE85E4E-3C96-8345-516C-FA8993099992}"/>
               </a:ext>
             </a:extLst>
           </p:cNvPr>
@@ -1792,7 +1792,7 @@
           <p:cNvPr id="7" name="日期占位符 6">
             <a:extLst>
               <a:ext uri="{FF2B5EF4-FFF2-40B4-BE49-F238E27FC236}">
-                <a16:creationId xmlns:a16="http://schemas.microsoft.com/office/drawing/2014/main" id="{9432A531-7B42-1EE5-F4E7-4F5EFF9C1024}"/>
+                <a16:creationId xmlns:a16="http://schemas.microsoft.com/office/drawing/2014/main" id="{17C01D0C-EEF8-E1C0-EE25-7C513F6A4E47}"/>
               </a:ext>
             </a:extLst>
           </p:cNvPr>
@@ -1808,7 +1808,7 @@
           <a:bodyPr/>
           <a:lstStyle/>
           <a:p>
-            <a:fld id="{88A49D1D-89B8-4829-8409-A2B021A60474}" type="datetimeFigureOut">
+            <a:fld id="{B1F3FC10-25E4-4A3B-BDCE-8F2BBA95E96A}" type="datetimeFigureOut">
               <a:rPr lang="zh-CN" altLang="en-US" smtClean="0"/>
               <a:t>2024/3/10</a:t>
             </a:fld>
@@ -1821,7 +1821,7 @@
           <p:cNvPr id="8" name="页脚占位符 7">
             <a:extLst>
               <a:ext uri="{FF2B5EF4-FFF2-40B4-BE49-F238E27FC236}">
-                <a16:creationId xmlns:a16="http://schemas.microsoft.com/office/drawing/2014/main" id="{A281A65F-3870-2E22-DAAB-958D6E9ED91E}"/>
+                <a16:creationId xmlns:a16="http://schemas.microsoft.com/office/drawing/2014/main" id="{EE8BD0F7-72DD-7FA5-C440-2C645FF1206B}"/>
               </a:ext>
             </a:extLst>
           </p:cNvPr>
@@ -1846,7 +1846,7 @@
           <p:cNvPr id="9" name="灯片编号占位符 8">
             <a:extLst>
               <a:ext uri="{FF2B5EF4-FFF2-40B4-BE49-F238E27FC236}">
-                <a16:creationId xmlns:a16="http://schemas.microsoft.com/office/drawing/2014/main" id="{595172A1-7210-A7ED-660F-9FAA07437704}"/>
+                <a16:creationId xmlns:a16="http://schemas.microsoft.com/office/drawing/2014/main" id="{14347C91-9E08-F023-5DC2-E260EE83404E}"/>
               </a:ext>
             </a:extLst>
           </p:cNvPr>
@@ -1862,7 +1862,7 @@
           <a:bodyPr/>
           <a:lstStyle/>
           <a:p>
-            <a:fld id="{875F4D1E-993A-44A9-892E-3F149F54AFBB}" type="slidenum">
+            <a:fld id="{85CF7D4A-AE81-4228-9C41-F434AB3E8B25}" type="slidenum">
               <a:rPr lang="zh-CN" altLang="en-US" smtClean="0"/>
               <a:t>‹#›</a:t>
             </a:fld>
@@ -1873,7 +1873,7 @@
     </p:spTree>
     <p:extLst>
       <p:ext uri="{BB962C8B-B14F-4D97-AF65-F5344CB8AC3E}">
-        <p14:creationId xmlns:p14="http://schemas.microsoft.com/office/powerpoint/2010/main" val="2125399916"/>
+        <p14:creationId xmlns:p14="http://schemas.microsoft.com/office/powerpoint/2010/main" val="910168308"/>
       </p:ext>
     </p:extLst>
   </p:cSld>
@@ -1905,7 +1905,7 @@
           <p:cNvPr id="2" name="标题 1">
             <a:extLst>
               <a:ext uri="{FF2B5EF4-FFF2-40B4-BE49-F238E27FC236}">
-                <a16:creationId xmlns:a16="http://schemas.microsoft.com/office/drawing/2014/main" id="{98321C2C-3FA0-A874-EDA6-F2B78C90B908}"/>
+                <a16:creationId xmlns:a16="http://schemas.microsoft.com/office/drawing/2014/main" id="{C6E47795-0E8E-8001-4F50-96C8BF663D4B}"/>
               </a:ext>
             </a:extLst>
           </p:cNvPr>
@@ -1933,7 +1933,7 @@
           <p:cNvPr id="3" name="日期占位符 2">
             <a:extLst>
               <a:ext uri="{FF2B5EF4-FFF2-40B4-BE49-F238E27FC236}">
-                <a16:creationId xmlns:a16="http://schemas.microsoft.com/office/drawing/2014/main" id="{EF9B0D1F-25A7-39C9-C158-3B56D5ADD59C}"/>
+                <a16:creationId xmlns:a16="http://schemas.microsoft.com/office/drawing/2014/main" id="{1B74AB5D-E71B-2AB0-49A5-5A3DB8EFF5C3}"/>
               </a:ext>
             </a:extLst>
           </p:cNvPr>
@@ -1949,7 +1949,7 @@
           <a:bodyPr/>
           <a:lstStyle/>
           <a:p>
-            <a:fld id="{88A49D1D-89B8-4829-8409-A2B021A60474}" type="datetimeFigureOut">
+            <a:fld id="{B1F3FC10-25E4-4A3B-BDCE-8F2BBA95E96A}" type="datetimeFigureOut">
               <a:rPr lang="zh-CN" altLang="en-US" smtClean="0"/>
               <a:t>2024/3/10</a:t>
             </a:fld>
@@ -1962,7 +1962,7 @@
           <p:cNvPr id="4" name="页脚占位符 3">
             <a:extLst>
               <a:ext uri="{FF2B5EF4-FFF2-40B4-BE49-F238E27FC236}">
-                <a16:creationId xmlns:a16="http://schemas.microsoft.com/office/drawing/2014/main" id="{A68E5E1E-4282-AD49-E580-B8E633FBDA71}"/>
+                <a16:creationId xmlns:a16="http://schemas.microsoft.com/office/drawing/2014/main" id="{2A686FEF-0348-C66B-8E44-7241F40957D2}"/>
               </a:ext>
             </a:extLst>
           </p:cNvPr>
@@ -1987,7 +1987,7 @@
           <p:cNvPr id="5" name="灯片编号占位符 4">
             <a:extLst>
               <a:ext uri="{FF2B5EF4-FFF2-40B4-BE49-F238E27FC236}">
-                <a16:creationId xmlns:a16="http://schemas.microsoft.com/office/drawing/2014/main" id="{6ECCCBC4-6EC6-B417-9074-F285086D9BAE}"/>
+                <a16:creationId xmlns:a16="http://schemas.microsoft.com/office/drawing/2014/main" id="{5E99FCF1-E572-8CC9-320A-C38AABC28553}"/>
               </a:ext>
             </a:extLst>
           </p:cNvPr>
@@ -2003,7 +2003,7 @@
           <a:bodyPr/>
           <a:lstStyle/>
           <a:p>
-            <a:fld id="{875F4D1E-993A-44A9-892E-3F149F54AFBB}" type="slidenum">
+            <a:fld id="{85CF7D4A-AE81-4228-9C41-F434AB3E8B25}" type="slidenum">
               <a:rPr lang="zh-CN" altLang="en-US" smtClean="0"/>
               <a:t>‹#›</a:t>
             </a:fld>
@@ -2014,7 +2014,7 @@
     </p:spTree>
     <p:extLst>
       <p:ext uri="{BB962C8B-B14F-4D97-AF65-F5344CB8AC3E}">
-        <p14:creationId xmlns:p14="http://schemas.microsoft.com/office/powerpoint/2010/main" val="1315660957"/>
+        <p14:creationId xmlns:p14="http://schemas.microsoft.com/office/powerpoint/2010/main" val="2539104109"/>
       </p:ext>
     </p:extLst>
   </p:cSld>
@@ -2046,7 +2046,7 @@
           <p:cNvPr id="2" name="日期占位符 1">
             <a:extLst>
               <a:ext uri="{FF2B5EF4-FFF2-40B4-BE49-F238E27FC236}">
-                <a16:creationId xmlns:a16="http://schemas.microsoft.com/office/drawing/2014/main" id="{66F8BB8A-6754-889C-993F-88D91E0E645F}"/>
+                <a16:creationId xmlns:a16="http://schemas.microsoft.com/office/drawing/2014/main" id="{558A0931-78B9-BEBC-13E2-2B68F6EE4B2D}"/>
               </a:ext>
             </a:extLst>
           </p:cNvPr>
@@ -2062,7 +2062,7 @@
           <a:bodyPr/>
           <a:lstStyle/>
           <a:p>
-            <a:fld id="{88A49D1D-89B8-4829-8409-A2B021A60474}" type="datetimeFigureOut">
+            <a:fld id="{B1F3FC10-25E4-4A3B-BDCE-8F2BBA95E96A}" type="datetimeFigureOut">
               <a:rPr lang="zh-CN" altLang="en-US" smtClean="0"/>
               <a:t>2024/3/10</a:t>
             </a:fld>
@@ -2075,7 +2075,7 @@
           <p:cNvPr id="3" name="页脚占位符 2">
             <a:extLst>
               <a:ext uri="{FF2B5EF4-FFF2-40B4-BE49-F238E27FC236}">
-                <a16:creationId xmlns:a16="http://schemas.microsoft.com/office/drawing/2014/main" id="{A9ECA8D8-1905-B363-C0C5-182C7A76F656}"/>
+                <a16:creationId xmlns:a16="http://schemas.microsoft.com/office/drawing/2014/main" id="{6E6B174E-3E7D-A547-8951-CD4023CA5C5B}"/>
               </a:ext>
             </a:extLst>
           </p:cNvPr>
@@ -2100,7 +2100,7 @@
           <p:cNvPr id="4" name="灯片编号占位符 3">
             <a:extLst>
               <a:ext uri="{FF2B5EF4-FFF2-40B4-BE49-F238E27FC236}">
-                <a16:creationId xmlns:a16="http://schemas.microsoft.com/office/drawing/2014/main" id="{F2D1708E-A1C5-EF98-380E-DF5CB96A9C44}"/>
+                <a16:creationId xmlns:a16="http://schemas.microsoft.com/office/drawing/2014/main" id="{29D61694-66A5-EF9D-3A95-0ED5E597C9A6}"/>
               </a:ext>
             </a:extLst>
           </p:cNvPr>
@@ -2116,7 +2116,7 @@
           <a:bodyPr/>
           <a:lstStyle/>
           <a:p>
-            <a:fld id="{875F4D1E-993A-44A9-892E-3F149F54AFBB}" type="slidenum">
+            <a:fld id="{85CF7D4A-AE81-4228-9C41-F434AB3E8B25}" type="slidenum">
               <a:rPr lang="zh-CN" altLang="en-US" smtClean="0"/>
               <a:t>‹#›</a:t>
             </a:fld>
@@ -2127,7 +2127,7 @@
     </p:spTree>
     <p:extLst>
       <p:ext uri="{BB962C8B-B14F-4D97-AF65-F5344CB8AC3E}">
-        <p14:creationId xmlns:p14="http://schemas.microsoft.com/office/powerpoint/2010/main" val="3234016783"/>
+        <p14:creationId xmlns:p14="http://schemas.microsoft.com/office/powerpoint/2010/main" val="3782830825"/>
       </p:ext>
     </p:extLst>
   </p:cSld>
@@ -2159,7 +2159,7 @@
           <p:cNvPr id="2" name="标题 1">
             <a:extLst>
               <a:ext uri="{FF2B5EF4-FFF2-40B4-BE49-F238E27FC236}">
-                <a16:creationId xmlns:a16="http://schemas.microsoft.com/office/drawing/2014/main" id="{670677A5-939D-47D0-0E3E-B5D6801D7F7B}"/>
+                <a16:creationId xmlns:a16="http://schemas.microsoft.com/office/drawing/2014/main" id="{E8AE8F3E-D78C-4509-EE05-8DB32AA5ECD5}"/>
               </a:ext>
             </a:extLst>
           </p:cNvPr>
@@ -2196,7 +2196,7 @@
           <p:cNvPr id="3" name="内容占位符 2">
             <a:extLst>
               <a:ext uri="{FF2B5EF4-FFF2-40B4-BE49-F238E27FC236}">
-                <a16:creationId xmlns:a16="http://schemas.microsoft.com/office/drawing/2014/main" id="{16314493-B1AE-FDAE-3D52-E31295044DF7}"/>
+                <a16:creationId xmlns:a16="http://schemas.microsoft.com/office/drawing/2014/main" id="{FB3F3256-7AE5-9B5F-7E3B-FDF39A4371E7}"/>
               </a:ext>
             </a:extLst>
           </p:cNvPr>
@@ -2286,7 +2286,7 @@
           <p:cNvPr id="4" name="文本占位符 3">
             <a:extLst>
               <a:ext uri="{FF2B5EF4-FFF2-40B4-BE49-F238E27FC236}">
-                <a16:creationId xmlns:a16="http://schemas.microsoft.com/office/drawing/2014/main" id="{318A595B-009E-092D-68BC-6C6F0A26C926}"/>
+                <a16:creationId xmlns:a16="http://schemas.microsoft.com/office/drawing/2014/main" id="{A7B6DB62-7957-1432-31E1-A6C32AE16E2C}"/>
               </a:ext>
             </a:extLst>
           </p:cNvPr>
@@ -2357,7 +2357,7 @@
           <p:cNvPr id="5" name="日期占位符 4">
             <a:extLst>
               <a:ext uri="{FF2B5EF4-FFF2-40B4-BE49-F238E27FC236}">
-                <a16:creationId xmlns:a16="http://schemas.microsoft.com/office/drawing/2014/main" id="{81F2878C-A903-8BEC-83D6-E2CFF4C00FA9}"/>
+                <a16:creationId xmlns:a16="http://schemas.microsoft.com/office/drawing/2014/main" id="{5917EABC-BB55-EA02-3531-BC03D0DA24D7}"/>
               </a:ext>
             </a:extLst>
           </p:cNvPr>
@@ -2373,7 +2373,7 @@
           <a:bodyPr/>
           <a:lstStyle/>
           <a:p>
-            <a:fld id="{88A49D1D-89B8-4829-8409-A2B021A60474}" type="datetimeFigureOut">
+            <a:fld id="{B1F3FC10-25E4-4A3B-BDCE-8F2BBA95E96A}" type="datetimeFigureOut">
               <a:rPr lang="zh-CN" altLang="en-US" smtClean="0"/>
               <a:t>2024/3/10</a:t>
             </a:fld>
@@ -2386,7 +2386,7 @@
           <p:cNvPr id="6" name="页脚占位符 5">
             <a:extLst>
               <a:ext uri="{FF2B5EF4-FFF2-40B4-BE49-F238E27FC236}">
-                <a16:creationId xmlns:a16="http://schemas.microsoft.com/office/drawing/2014/main" id="{54FE3258-DA16-18D5-FDFB-06E7A6BA7660}"/>
+                <a16:creationId xmlns:a16="http://schemas.microsoft.com/office/drawing/2014/main" id="{2A4B8A9C-0292-848B-692E-CC1D7BF8135A}"/>
               </a:ext>
             </a:extLst>
           </p:cNvPr>
@@ -2411,7 +2411,7 @@
           <p:cNvPr id="7" name="灯片编号占位符 6">
             <a:extLst>
               <a:ext uri="{FF2B5EF4-FFF2-40B4-BE49-F238E27FC236}">
-                <a16:creationId xmlns:a16="http://schemas.microsoft.com/office/drawing/2014/main" id="{015F9C2F-B6B6-44D2-58C1-A376318C3BDA}"/>
+                <a16:creationId xmlns:a16="http://schemas.microsoft.com/office/drawing/2014/main" id="{B6598BFB-DAC7-EC42-E0A4-5A583492D1C0}"/>
               </a:ext>
             </a:extLst>
           </p:cNvPr>
@@ -2427,7 +2427,7 @@
           <a:bodyPr/>
           <a:lstStyle/>
           <a:p>
-            <a:fld id="{875F4D1E-993A-44A9-892E-3F149F54AFBB}" type="slidenum">
+            <a:fld id="{85CF7D4A-AE81-4228-9C41-F434AB3E8B25}" type="slidenum">
               <a:rPr lang="zh-CN" altLang="en-US" smtClean="0"/>
               <a:t>‹#›</a:t>
             </a:fld>
@@ -2438,7 +2438,7 @@
     </p:spTree>
     <p:extLst>
       <p:ext uri="{BB962C8B-B14F-4D97-AF65-F5344CB8AC3E}">
-        <p14:creationId xmlns:p14="http://schemas.microsoft.com/office/powerpoint/2010/main" val="1210007947"/>
+        <p14:creationId xmlns:p14="http://schemas.microsoft.com/office/powerpoint/2010/main" val="1833400228"/>
       </p:ext>
     </p:extLst>
   </p:cSld>
@@ -2470,7 +2470,7 @@
           <p:cNvPr id="2" name="标题 1">
             <a:extLst>
               <a:ext uri="{FF2B5EF4-FFF2-40B4-BE49-F238E27FC236}">
-                <a16:creationId xmlns:a16="http://schemas.microsoft.com/office/drawing/2014/main" id="{985FA929-03BE-9D4A-613F-C40D2CE631BA}"/>
+                <a16:creationId xmlns:a16="http://schemas.microsoft.com/office/drawing/2014/main" id="{569F2AA5-5AF0-9786-965A-F4D1F706F196}"/>
               </a:ext>
             </a:extLst>
           </p:cNvPr>
@@ -2507,7 +2507,7 @@
           <p:cNvPr id="3" name="图片占位符 2">
             <a:extLst>
               <a:ext uri="{FF2B5EF4-FFF2-40B4-BE49-F238E27FC236}">
-                <a16:creationId xmlns:a16="http://schemas.microsoft.com/office/drawing/2014/main" id="{6A2AB7FF-03C9-2865-8133-94F329D2FF3E}"/>
+                <a16:creationId xmlns:a16="http://schemas.microsoft.com/office/drawing/2014/main" id="{3B4A2140-AFC6-4A53-F221-72D7DFFFDB6A}"/>
               </a:ext>
             </a:extLst>
           </p:cNvPr>
@@ -2574,7 +2574,7 @@
           <p:cNvPr id="4" name="文本占位符 3">
             <a:extLst>
               <a:ext uri="{FF2B5EF4-FFF2-40B4-BE49-F238E27FC236}">
-                <a16:creationId xmlns:a16="http://schemas.microsoft.com/office/drawing/2014/main" id="{734C2BD1-286E-6322-BD32-95D23966B5EC}"/>
+                <a16:creationId xmlns:a16="http://schemas.microsoft.com/office/drawing/2014/main" id="{C66DC5D2-8201-8A2C-04E5-119B2C93F3C0}"/>
               </a:ext>
             </a:extLst>
           </p:cNvPr>
@@ -2645,7 +2645,7 @@
           <p:cNvPr id="5" name="日期占位符 4">
             <a:extLst>
               <a:ext uri="{FF2B5EF4-FFF2-40B4-BE49-F238E27FC236}">
-                <a16:creationId xmlns:a16="http://schemas.microsoft.com/office/drawing/2014/main" id="{0706BF97-5EE0-BFD3-FE2B-97CF0C867F80}"/>
+                <a16:creationId xmlns:a16="http://schemas.microsoft.com/office/drawing/2014/main" id="{EEDD32B0-0994-5565-B106-85EB943DB333}"/>
               </a:ext>
             </a:extLst>
           </p:cNvPr>
@@ -2661,7 +2661,7 @@
           <a:bodyPr/>
           <a:lstStyle/>
           <a:p>
-            <a:fld id="{88A49D1D-89B8-4829-8409-A2B021A60474}" type="datetimeFigureOut">
+            <a:fld id="{B1F3FC10-25E4-4A3B-BDCE-8F2BBA95E96A}" type="datetimeFigureOut">
               <a:rPr lang="zh-CN" altLang="en-US" smtClean="0"/>
               <a:t>2024/3/10</a:t>
             </a:fld>
@@ -2674,7 +2674,7 @@
           <p:cNvPr id="6" name="页脚占位符 5">
             <a:extLst>
               <a:ext uri="{FF2B5EF4-FFF2-40B4-BE49-F238E27FC236}">
-                <a16:creationId xmlns:a16="http://schemas.microsoft.com/office/drawing/2014/main" id="{A6C62EB4-21A5-10D3-F6FF-8F6B346A9D71}"/>
+                <a16:creationId xmlns:a16="http://schemas.microsoft.com/office/drawing/2014/main" id="{3BDF0D41-68DE-27C1-BEBF-2111562E2394}"/>
               </a:ext>
             </a:extLst>
           </p:cNvPr>
@@ -2699,7 +2699,7 @@
           <p:cNvPr id="7" name="灯片编号占位符 6">
             <a:extLst>
               <a:ext uri="{FF2B5EF4-FFF2-40B4-BE49-F238E27FC236}">
-                <a16:creationId xmlns:a16="http://schemas.microsoft.com/office/drawing/2014/main" id="{4377858B-68C6-1810-E50F-2DCCE7276826}"/>
+                <a16:creationId xmlns:a16="http://schemas.microsoft.com/office/drawing/2014/main" id="{460DF7E8-3C7F-A95A-8DCC-9BEB3EBD21C9}"/>
               </a:ext>
             </a:extLst>
           </p:cNvPr>
@@ -2715,7 +2715,7 @@
           <a:bodyPr/>
           <a:lstStyle/>
           <a:p>
-            <a:fld id="{875F4D1E-993A-44A9-892E-3F149F54AFBB}" type="slidenum">
+            <a:fld id="{85CF7D4A-AE81-4228-9C41-F434AB3E8B25}" type="slidenum">
               <a:rPr lang="zh-CN" altLang="en-US" smtClean="0"/>
               <a:t>‹#›</a:t>
             </a:fld>
@@ -2726,7 +2726,7 @@
     </p:spTree>
     <p:extLst>
       <p:ext uri="{BB962C8B-B14F-4D97-AF65-F5344CB8AC3E}">
-        <p14:creationId xmlns:p14="http://schemas.microsoft.com/office/powerpoint/2010/main" val="1892381093"/>
+        <p14:creationId xmlns:p14="http://schemas.microsoft.com/office/powerpoint/2010/main" val="1439976389"/>
       </p:ext>
     </p:extLst>
   </p:cSld>
@@ -2763,7 +2763,7 @@
           <p:cNvPr id="2" name="标题占位符 1">
             <a:extLst>
               <a:ext uri="{FF2B5EF4-FFF2-40B4-BE49-F238E27FC236}">
-                <a16:creationId xmlns:a16="http://schemas.microsoft.com/office/drawing/2014/main" id="{4F4E30B2-F18B-71B1-BCC3-5965DA4C5DD8}"/>
+                <a16:creationId xmlns:a16="http://schemas.microsoft.com/office/drawing/2014/main" id="{48C77191-BF68-3E68-8407-D6A10BEF8C59}"/>
               </a:ext>
             </a:extLst>
           </p:cNvPr>
@@ -2801,7 +2801,7 @@
           <p:cNvPr id="3" name="文本占位符 2">
             <a:extLst>
               <a:ext uri="{FF2B5EF4-FFF2-40B4-BE49-F238E27FC236}">
-                <a16:creationId xmlns:a16="http://schemas.microsoft.com/office/drawing/2014/main" id="{5F950714-D35B-511F-5E81-D0D34A817858}"/>
+                <a16:creationId xmlns:a16="http://schemas.microsoft.com/office/drawing/2014/main" id="{E14CF309-73AF-4F46-AB05-B506B739ADFB}"/>
               </a:ext>
             </a:extLst>
           </p:cNvPr>
@@ -2868,7 +2868,7 @@
           <p:cNvPr id="4" name="日期占位符 3">
             <a:extLst>
               <a:ext uri="{FF2B5EF4-FFF2-40B4-BE49-F238E27FC236}">
-                <a16:creationId xmlns:a16="http://schemas.microsoft.com/office/drawing/2014/main" id="{827A7322-E3E9-691D-2B29-CA9CD1890703}"/>
+                <a16:creationId xmlns:a16="http://schemas.microsoft.com/office/drawing/2014/main" id="{3AB733ED-66CA-3107-9CEF-7356AB2C3DD4}"/>
               </a:ext>
             </a:extLst>
           </p:cNvPr>
@@ -2902,7 +2902,7 @@
             </a:lvl1pPr>
           </a:lstStyle>
           <a:p>
-            <a:fld id="{88A49D1D-89B8-4829-8409-A2B021A60474}" type="datetimeFigureOut">
+            <a:fld id="{B1F3FC10-25E4-4A3B-BDCE-8F2BBA95E96A}" type="datetimeFigureOut">
               <a:rPr lang="zh-CN" altLang="en-US" smtClean="0"/>
               <a:t>2024/3/10</a:t>
             </a:fld>
@@ -2915,7 +2915,7 @@
           <p:cNvPr id="5" name="页脚占位符 4">
             <a:extLst>
               <a:ext uri="{FF2B5EF4-FFF2-40B4-BE49-F238E27FC236}">
-                <a16:creationId xmlns:a16="http://schemas.microsoft.com/office/drawing/2014/main" id="{6D804B99-59C3-6729-B4C4-212DAD0087F6}"/>
+                <a16:creationId xmlns:a16="http://schemas.microsoft.com/office/drawing/2014/main" id="{F28A5DC7-1776-81E0-0F5E-6E9AEA57997B}"/>
               </a:ext>
             </a:extLst>
           </p:cNvPr>
@@ -2958,7 +2958,7 @@
           <p:cNvPr id="6" name="灯片编号占位符 5">
             <a:extLst>
               <a:ext uri="{FF2B5EF4-FFF2-40B4-BE49-F238E27FC236}">
-                <a16:creationId xmlns:a16="http://schemas.microsoft.com/office/drawing/2014/main" id="{35ED0170-0994-0840-F434-DAC78FBCFAC6}"/>
+                <a16:creationId xmlns:a16="http://schemas.microsoft.com/office/drawing/2014/main" id="{15D9239A-21F8-6599-1C84-9169909C61FA}"/>
               </a:ext>
             </a:extLst>
           </p:cNvPr>
@@ -2992,7 +2992,7 @@
             </a:lvl1pPr>
           </a:lstStyle>
           <a:p>
-            <a:fld id="{875F4D1E-993A-44A9-892E-3F149F54AFBB}" type="slidenum">
+            <a:fld id="{85CF7D4A-AE81-4228-9C41-F434AB3E8B25}" type="slidenum">
               <a:rPr lang="zh-CN" altLang="en-US" smtClean="0"/>
               <a:t>‹#›</a:t>
             </a:fld>
@@ -3003,7 +3003,7 @@
     </p:spTree>
     <p:extLst>
       <p:ext uri="{BB962C8B-B14F-4D97-AF65-F5344CB8AC3E}">
-        <p14:creationId xmlns:p14="http://schemas.microsoft.com/office/powerpoint/2010/main" val="1889901814"/>
+        <p14:creationId xmlns:p14="http://schemas.microsoft.com/office/powerpoint/2010/main" val="3867546604"/>
       </p:ext>
     </p:extLst>
   </p:cSld>
